--- a/lab_lectures/lab2/2_Data_Formats_&_Databases.pptx
+++ b/lab_lectures/lab2/2_Data_Formats_&_Databases.pptx
@@ -1157,7 +1157,7 @@
           <a:p>
             <a:fld id="{C5BE5835-A844-124A-AD9F-A7EF8F8CD925}" type="datetimeFigureOut">
               <a:rPr lang="en-US" smtClean="0"/>
-              <a:t>8/16/22</a:t>
+              <a:t>9/14/22</a:t>
             </a:fld>
             <a:endParaRPr lang="en-US"/>
           </a:p>
@@ -1355,7 +1355,7 @@
           <a:p>
             <a:fld id="{C5BE5835-A844-124A-AD9F-A7EF8F8CD925}" type="datetimeFigureOut">
               <a:rPr lang="en-US" smtClean="0"/>
-              <a:t>8/16/22</a:t>
+              <a:t>9/14/22</a:t>
             </a:fld>
             <a:endParaRPr lang="en-US"/>
           </a:p>
@@ -1563,7 +1563,7 @@
           <a:p>
             <a:fld id="{C5BE5835-A844-124A-AD9F-A7EF8F8CD925}" type="datetimeFigureOut">
               <a:rPr lang="en-US" smtClean="0"/>
-              <a:t>8/16/22</a:t>
+              <a:t>9/14/22</a:t>
             </a:fld>
             <a:endParaRPr lang="en-US"/>
           </a:p>
@@ -1761,7 +1761,7 @@
           <a:p>
             <a:fld id="{C5BE5835-A844-124A-AD9F-A7EF8F8CD925}" type="datetimeFigureOut">
               <a:rPr lang="en-US" smtClean="0"/>
-              <a:t>8/16/22</a:t>
+              <a:t>9/14/22</a:t>
             </a:fld>
             <a:endParaRPr lang="en-US"/>
           </a:p>
@@ -2036,7 +2036,7 @@
           <a:p>
             <a:fld id="{C5BE5835-A844-124A-AD9F-A7EF8F8CD925}" type="datetimeFigureOut">
               <a:rPr lang="en-US" smtClean="0"/>
-              <a:t>8/16/22</a:t>
+              <a:t>9/14/22</a:t>
             </a:fld>
             <a:endParaRPr lang="en-US"/>
           </a:p>
@@ -2301,7 +2301,7 @@
           <a:p>
             <a:fld id="{C5BE5835-A844-124A-AD9F-A7EF8F8CD925}" type="datetimeFigureOut">
               <a:rPr lang="en-US" smtClean="0"/>
-              <a:t>8/16/22</a:t>
+              <a:t>9/14/22</a:t>
             </a:fld>
             <a:endParaRPr lang="en-US"/>
           </a:p>
@@ -2713,7 +2713,7 @@
           <a:p>
             <a:fld id="{C5BE5835-A844-124A-AD9F-A7EF8F8CD925}" type="datetimeFigureOut">
               <a:rPr lang="en-US" smtClean="0"/>
-              <a:t>8/16/22</a:t>
+              <a:t>9/14/22</a:t>
             </a:fld>
             <a:endParaRPr lang="en-US"/>
           </a:p>
@@ -2854,7 +2854,7 @@
           <a:p>
             <a:fld id="{C5BE5835-A844-124A-AD9F-A7EF8F8CD925}" type="datetimeFigureOut">
               <a:rPr lang="en-US" smtClean="0"/>
-              <a:t>8/16/22</a:t>
+              <a:t>9/14/22</a:t>
             </a:fld>
             <a:endParaRPr lang="en-US"/>
           </a:p>
@@ -2967,7 +2967,7 @@
           <a:p>
             <a:fld id="{C5BE5835-A844-124A-AD9F-A7EF8F8CD925}" type="datetimeFigureOut">
               <a:rPr lang="en-US" smtClean="0"/>
-              <a:t>8/16/22</a:t>
+              <a:t>9/14/22</a:t>
             </a:fld>
             <a:endParaRPr lang="en-US"/>
           </a:p>
@@ -3278,7 +3278,7 @@
           <a:p>
             <a:fld id="{C5BE5835-A844-124A-AD9F-A7EF8F8CD925}" type="datetimeFigureOut">
               <a:rPr lang="en-US" smtClean="0"/>
-              <a:t>8/16/22</a:t>
+              <a:t>9/14/22</a:t>
             </a:fld>
             <a:endParaRPr lang="en-US"/>
           </a:p>
@@ -3566,7 +3566,7 @@
           <a:p>
             <a:fld id="{C5BE5835-A844-124A-AD9F-A7EF8F8CD925}" type="datetimeFigureOut">
               <a:rPr lang="en-US" smtClean="0"/>
-              <a:t>8/16/22</a:t>
+              <a:t>9/14/22</a:t>
             </a:fld>
             <a:endParaRPr lang="en-US"/>
           </a:p>
@@ -3807,7 +3807,7 @@
           <a:p>
             <a:fld id="{C5BE5835-A844-124A-AD9F-A7EF8F8CD925}" type="datetimeFigureOut">
               <a:rPr lang="en-US" smtClean="0"/>
-              <a:t>8/16/22</a:t>
+              <a:t>9/14/22</a:t>
             </a:fld>
             <a:endParaRPr lang="en-US"/>
           </a:p>
@@ -4273,7 +4273,10 @@
           <a:bodyPr/>
           <a:lstStyle/>
           <a:p>
-            <a:endParaRPr lang="en-US"/>
+            <a:r>
+              <a:rPr lang="en-US"/>
+              <a:t>PLB 812</a:t>
+            </a:r>
           </a:p>
         </p:txBody>
       </p:sp>
